--- a/plugfest/2018-bundang/PlugfestSummary_rev1.pptx
+++ b/plugfest/2018-bundang/PlugfestSummary_rev1.pptx
@@ -3785,10 +3785,6 @@
               </a:rPr>
               <a:t>Sensors</a:t>
             </a:r>
-            <a:endParaRPr lang="en-US" altLang="ja-JP" sz="700" dirty="0" smtClean="0">
-              <a:latin typeface="Meiryo UI" panose="020B0604030504040204" pitchFamily="50" charset="-128"/>
-              <a:ea typeface="Meiryo UI" panose="020B0604030504040204" pitchFamily="50" charset="-128"/>
-            </a:endParaRPr>
           </a:p>
           <a:p>
             <a:pPr marL="0" marR="0" indent="0" algn="ctr" defTabSz="914400" rtl="0" eaLnBrk="1" fontAlgn="ctr" latinLnBrk="0" hangingPunct="1">
@@ -4875,10 +4871,6 @@
               </a:rPr>
               <a:t> Cloud Service</a:t>
             </a:r>
-            <a:endParaRPr lang="en-US" altLang="ja-JP" sz="700" dirty="0" smtClean="0">
-              <a:latin typeface="Meiryo UI" panose="020B0604030504040204" pitchFamily="50" charset="-128"/>
-              <a:ea typeface="Meiryo UI" panose="020B0604030504040204" pitchFamily="50" charset="-128"/>
-            </a:endParaRPr>
           </a:p>
           <a:p>
             <a:pPr marL="0" marR="0" indent="0" algn="ctr" defTabSz="914400" rtl="0" eaLnBrk="1" fontAlgn="ctr" latinLnBrk="0" hangingPunct="1">
@@ -6041,10 +6033,6 @@
               </a:rPr>
               <a:t> proxy</a:t>
             </a:r>
-            <a:endParaRPr lang="en-US" altLang="ja-JP" sz="700" dirty="0" smtClean="0">
-              <a:latin typeface="Meiryo UI" panose="020B0604030504040204" pitchFamily="50" charset="-128"/>
-              <a:ea typeface="Meiryo UI" panose="020B0604030504040204" pitchFamily="50" charset="-128"/>
-            </a:endParaRPr>
           </a:p>
           <a:p>
             <a:pPr marL="0" marR="0" indent="0" algn="ctr" defTabSz="914400" rtl="0" eaLnBrk="1" fontAlgn="ctr" latinLnBrk="0" hangingPunct="1">
@@ -6488,10 +6476,6 @@
               </a:rPr>
               <a:t>sim.</a:t>
             </a:r>
-            <a:endParaRPr lang="en-US" altLang="ja-JP" sz="700" dirty="0" smtClean="0">
-              <a:latin typeface="Meiryo UI" panose="020B0604030504040204" pitchFamily="50" charset="-128"/>
-              <a:ea typeface="Meiryo UI" panose="020B0604030504040204" pitchFamily="50" charset="-128"/>
-            </a:endParaRPr>
           </a:p>
           <a:p>
             <a:pPr marL="0" marR="0" indent="0" algn="ctr" defTabSz="914400" rtl="0" eaLnBrk="1" fontAlgn="ctr" latinLnBrk="0" hangingPunct="1">
@@ -6593,10 +6577,6 @@
               </a:rPr>
               <a:t>HVAC sim.</a:t>
             </a:r>
-            <a:endParaRPr lang="en-US" altLang="ja-JP" sz="700" dirty="0" smtClean="0">
-              <a:latin typeface="Meiryo UI" panose="020B0604030504040204" pitchFamily="50" charset="-128"/>
-              <a:ea typeface="Meiryo UI" panose="020B0604030504040204" pitchFamily="50" charset="-128"/>
-            </a:endParaRPr>
           </a:p>
           <a:p>
             <a:pPr marL="0" marR="0" indent="0" algn="ctr" defTabSz="914400" rtl="0" eaLnBrk="1" fontAlgn="ctr" latinLnBrk="0" hangingPunct="1">
@@ -6771,10 +6751,6 @@
               </a:rPr>
               <a:t> sim</a:t>
             </a:r>
-            <a:endParaRPr lang="en-US" altLang="ja-JP" sz="700" dirty="0" smtClean="0">
-              <a:latin typeface="Meiryo UI" panose="020B0604030504040204" pitchFamily="50" charset="-128"/>
-              <a:ea typeface="Meiryo UI" panose="020B0604030504040204" pitchFamily="50" charset="-128"/>
-            </a:endParaRPr>
           </a:p>
           <a:p>
             <a:pPr marL="0" marR="0" indent="0" algn="ctr" defTabSz="914400" rtl="0" eaLnBrk="1" fontAlgn="ctr" latinLnBrk="0" hangingPunct="1">
@@ -7107,10 +7083,6 @@
               </a:rPr>
               <a:t>-OCF bridge</a:t>
             </a:r>
-            <a:endParaRPr lang="en-US" altLang="ja-JP" sz="700" dirty="0" smtClean="0">
-              <a:latin typeface="Meiryo UI" panose="020B0604030504040204" pitchFamily="50" charset="-128"/>
-              <a:ea typeface="Meiryo UI" panose="020B0604030504040204" pitchFamily="50" charset="-128"/>
-            </a:endParaRPr>
           </a:p>
           <a:p>
             <a:pPr marL="0" marR="0" indent="0" algn="ctr" defTabSz="914400" rtl="0" eaLnBrk="1" fontAlgn="ctr" latinLnBrk="0" hangingPunct="1">
@@ -7314,10 +7286,6 @@
               </a:rPr>
               <a:t>Air conditioner sim.</a:t>
             </a:r>
-            <a:endParaRPr lang="en-US" altLang="ja-JP" sz="700" dirty="0" smtClean="0">
-              <a:latin typeface="Meiryo UI" panose="020B0604030504040204" pitchFamily="50" charset="-128"/>
-              <a:ea typeface="Meiryo UI" panose="020B0604030504040204" pitchFamily="50" charset="-128"/>
-            </a:endParaRPr>
           </a:p>
           <a:p>
             <a:pPr marL="0" marR="0" indent="0" algn="ctr" defTabSz="914400" rtl="0" eaLnBrk="1" fontAlgn="ctr" latinLnBrk="0" hangingPunct="1">
@@ -7419,10 +7387,6 @@
               </a:rPr>
               <a:t>Motion sensor</a:t>
             </a:r>
-            <a:endParaRPr lang="en-US" altLang="ja-JP" sz="700" dirty="0" smtClean="0">
-              <a:latin typeface="Meiryo UI" panose="020B0604030504040204" pitchFamily="50" charset="-128"/>
-              <a:ea typeface="Meiryo UI" panose="020B0604030504040204" pitchFamily="50" charset="-128"/>
-            </a:endParaRPr>
           </a:p>
           <a:p>
             <a:pPr marL="0" marR="0" indent="0" algn="ctr" defTabSz="914400" rtl="0" eaLnBrk="1" fontAlgn="ctr" latinLnBrk="0" hangingPunct="1">
@@ -7524,10 +7488,6 @@
               </a:rPr>
               <a:t>Google home</a:t>
             </a:r>
-            <a:endParaRPr lang="en-US" altLang="ja-JP" sz="700" dirty="0" smtClean="0">
-              <a:latin typeface="Meiryo UI" panose="020B0604030504040204" pitchFamily="50" charset="-128"/>
-              <a:ea typeface="Meiryo UI" panose="020B0604030504040204" pitchFamily="50" charset="-128"/>
-            </a:endParaRPr>
           </a:p>
           <a:p>
             <a:pPr marL="0" marR="0" indent="0" algn="ctr" defTabSz="914400" rtl="0" eaLnBrk="1" fontAlgn="ctr" latinLnBrk="0" hangingPunct="1">
@@ -7629,10 +7589,6 @@
               </a:rPr>
               <a:t>LED light</a:t>
             </a:r>
-            <a:endParaRPr lang="en-US" altLang="ja-JP" sz="700" dirty="0" smtClean="0">
-              <a:latin typeface="Meiryo UI" panose="020B0604030504040204" pitchFamily="50" charset="-128"/>
-              <a:ea typeface="Meiryo UI" panose="020B0604030504040204" pitchFamily="50" charset="-128"/>
-            </a:endParaRPr>
           </a:p>
           <a:p>
             <a:pPr marL="0" marR="0" indent="0" algn="ctr" defTabSz="914400" rtl="0" eaLnBrk="1" fontAlgn="ctr" latinLnBrk="0" hangingPunct="1">
@@ -8533,10 +8489,6 @@
               </a:rPr>
               <a:t>sensor</a:t>
             </a:r>
-            <a:endParaRPr lang="en-US" altLang="ja-JP" sz="700" dirty="0" smtClean="0">
-              <a:latin typeface="Meiryo UI" panose="020B0604030504040204" pitchFamily="50" charset="-128"/>
-              <a:ea typeface="Meiryo UI" panose="020B0604030504040204" pitchFamily="50" charset="-128"/>
-            </a:endParaRPr>
           </a:p>
           <a:p>
             <a:pPr marL="0" marR="0" indent="0" algn="ctr" defTabSz="914400" rtl="0" eaLnBrk="1" fontAlgn="ctr" latinLnBrk="0" hangingPunct="1">
@@ -8943,6 +8895,97 @@
               <a:t>1</a:t>
             </a:fld>
             <a:endParaRPr kumimoji="1" lang="ja-JP" altLang="en-US"/>
+          </a:p>
+        </p:txBody>
+      </p:sp>
+      <p:sp>
+        <p:nvSpPr>
+          <p:cNvPr id="2" name="角丸四角形 1"/>
+          <p:cNvSpPr/>
+          <p:nvPr/>
+        </p:nvSpPr>
+        <p:spPr>
+          <a:xfrm>
+            <a:off x="3950208" y="5632940"/>
+            <a:ext cx="3373464" cy="967231"/>
+          </a:xfrm>
+          <a:prstGeom prst="roundRect">
+            <a:avLst/>
+          </a:prstGeom>
+          <a:noFill/>
+          <a:ln>
+            <a:solidFill>
+              <a:srgbClr val="FF0000"/>
+            </a:solidFill>
+          </a:ln>
+        </p:spPr>
+        <p:style>
+          <a:lnRef idx="2">
+            <a:schemeClr val="accent2"/>
+          </a:lnRef>
+          <a:fillRef idx="1">
+            <a:schemeClr val="lt1"/>
+          </a:fillRef>
+          <a:effectRef idx="0">
+            <a:schemeClr val="accent2"/>
+          </a:effectRef>
+          <a:fontRef idx="minor">
+            <a:schemeClr val="dk1"/>
+          </a:fontRef>
+        </p:style>
+        <p:txBody>
+          <a:bodyPr rtlCol="0" anchor="ctr"/>
+          <a:lstStyle/>
+          <a:p>
+            <a:pPr algn="ctr"/>
+            <a:endParaRPr kumimoji="1" lang="ja-JP" altLang="en-US"/>
+          </a:p>
+        </p:txBody>
+      </p:sp>
+      <p:sp>
+        <p:nvSpPr>
+          <p:cNvPr id="88" name="テキスト ボックス 87"/>
+          <p:cNvSpPr txBox="1"/>
+          <p:nvPr/>
+        </p:nvSpPr>
+        <p:spPr>
+          <a:xfrm>
+            <a:off x="3552660" y="6602083"/>
+            <a:ext cx="4011034" cy="246221"/>
+          </a:xfrm>
+          <a:prstGeom prst="rect">
+            <a:avLst/>
+          </a:prstGeom>
+          <a:noFill/>
+        </p:spPr>
+        <p:txBody>
+          <a:bodyPr wrap="none" rtlCol="0">
+            <a:spAutoFit/>
+          </a:bodyPr>
+          <a:lstStyle/>
+          <a:p>
+            <a:pPr algn="r"/>
+            <a:r>
+              <a:rPr kumimoji="1" lang="en-US" altLang="ja-JP" sz="1000" dirty="0" smtClean="0"/>
+              <a:t>These simulated devices are generated by TDs for this </a:t>
+            </a:r>
+            <a:r>
+              <a:rPr kumimoji="1" lang="en-US" altLang="ja-JP" sz="1000" dirty="0" err="1" smtClean="0"/>
+              <a:t>Plugfest</a:t>
+            </a:r>
+            <a:r>
+              <a:rPr kumimoji="1" lang="en-US" altLang="ja-JP" sz="1000" dirty="0" smtClean="0"/>
+              <a:t> on </a:t>
+            </a:r>
+            <a:r>
+              <a:rPr kumimoji="1" lang="en-US" altLang="ja-JP" sz="1000" dirty="0" err="1" smtClean="0"/>
+              <a:t>Github</a:t>
+            </a:r>
+            <a:r>
+              <a:rPr kumimoji="1" lang="en-US" altLang="ja-JP" sz="1000" dirty="0"/>
+              <a:t>.</a:t>
+            </a:r>
+            <a:endParaRPr kumimoji="1" lang="ja-JP" altLang="en-US" sz="1000" dirty="0"/>
           </a:p>
         </p:txBody>
       </p:sp>
